--- a/HW3.pptx
+++ b/HW3.pptx
@@ -17,6 +17,7 @@
     <p:sldId id="290" r:id="rId11"/>
     <p:sldId id="291" r:id="rId12"/>
     <p:sldId id="292" r:id="rId13"/>
+    <p:sldId id="293" r:id="rId14"/>
   </p:sldIdLst>
   <p:sldSz cx="12192000" cy="6858000"/>
   <p:notesSz cx="6858000" cy="9144000"/>
@@ -8187,6 +8188,186 @@
 </p:sld>
 </file>
 
+<file path=ppt/slides/slide13.xml><?xml version="1.0" encoding="utf-8"?>
+<p:sld xmlns:a="http://schemas.openxmlformats.org/drawingml/2006/main" xmlns:r="http://schemas.openxmlformats.org/officeDocument/2006/relationships" xmlns:p="http://schemas.openxmlformats.org/presentationml/2006/main">
+  <p:cSld>
+    <p:spTree>
+      <p:nvGrpSpPr>
+        <p:cNvPr id="1" name=""/>
+        <p:cNvGrpSpPr/>
+        <p:nvPr/>
+      </p:nvGrpSpPr>
+      <p:grpSpPr>
+        <a:xfrm>
+          <a:off x="0" y="0"/>
+          <a:ext cx="0" cy="0"/>
+          <a:chOff x="0" y="0"/>
+          <a:chExt cx="0" cy="0"/>
+        </a:xfrm>
+      </p:grpSpPr>
+      <p:sp>
+        <p:nvSpPr>
+          <p:cNvPr id="2" name="標題 1">
+            <a:extLst>
+              <a:ext uri="{FF2B5EF4-FFF2-40B4-BE49-F238E27FC236}">
+                <a16:creationId xmlns:a16="http://schemas.microsoft.com/office/drawing/2014/main" id="{0E061337-3A15-4222-BC16-EE392D606592}"/>
+              </a:ext>
+            </a:extLst>
+          </p:cNvPr>
+          <p:cNvSpPr>
+            <a:spLocks noGrp="1"/>
+          </p:cNvSpPr>
+          <p:nvPr>
+            <p:ph type="title"/>
+          </p:nvPr>
+        </p:nvSpPr>
+        <p:spPr/>
+        <p:txBody>
+          <a:bodyPr/>
+          <a:lstStyle/>
+          <a:p>
+            <a:pPr marL="457200" lvl="1" algn="ctr"/>
+            <a:r>
+              <a:rPr lang="zh-TW" altLang="en-US" sz="4400" b="1" dirty="0">
+                <a:latin typeface="Times New Roman" panose="02020603050405020304" pitchFamily="18" charset="0"/>
+                <a:ea typeface="新細明體" panose="02020500000000000000" pitchFamily="18" charset="-120"/>
+                <a:cs typeface="Times New Roman" panose="02020603050405020304" pitchFamily="18" charset="0"/>
+              </a:rPr>
+              <a:t>參考資料</a:t>
+            </a:r>
+            <a:endParaRPr lang="en-US" altLang="zh-TW" sz="4400" b="1" dirty="0">
+              <a:latin typeface="標楷體" panose="03000509000000000000" pitchFamily="65" charset="-120"/>
+              <a:ea typeface="標楷體" panose="03000509000000000000" pitchFamily="65" charset="-120"/>
+              <a:cs typeface="Times New Roman" panose="02020603050405020304" pitchFamily="18" charset="0"/>
+            </a:endParaRPr>
+          </a:p>
+        </p:txBody>
+      </p:sp>
+      <p:sp>
+        <p:nvSpPr>
+          <p:cNvPr id="3" name="內容版面配置區 2">
+            <a:extLst>
+              <a:ext uri="{FF2B5EF4-FFF2-40B4-BE49-F238E27FC236}">
+                <a16:creationId xmlns:a16="http://schemas.microsoft.com/office/drawing/2014/main" id="{DF0AD861-9652-460A-82B8-FBE3B9AC95B5}"/>
+              </a:ext>
+            </a:extLst>
+          </p:cNvPr>
+          <p:cNvSpPr>
+            <a:spLocks noGrp="1"/>
+          </p:cNvSpPr>
+          <p:nvPr>
+            <p:ph idx="1"/>
+          </p:nvPr>
+        </p:nvSpPr>
+        <p:spPr/>
+        <p:txBody>
+          <a:bodyPr>
+            <a:normAutofit/>
+          </a:bodyPr>
+          <a:lstStyle/>
+          <a:p>
+            <a:r>
+              <a:rPr lang="en-US" altLang="zh-TW" sz="2000" b="0" i="0" dirty="0">
+                <a:effectLst/>
+                <a:latin typeface="Times New Roman" panose="02020603050405020304" pitchFamily="18" charset="0"/>
+                <a:cs typeface="Times New Roman" panose="02020603050405020304" pitchFamily="18" charset="0"/>
+                <a:hlinkClick r:id="rId2"/>
+              </a:rPr>
+              <a:t>Zynq-7000 SoC Technical Reference Manual (UG585)</a:t>
+            </a:r>
+            <a:r>
+              <a:rPr lang="zh-TW" altLang="en-US" sz="2000" b="0" i="0" dirty="0">
+                <a:effectLst/>
+                <a:latin typeface="Times New Roman" panose="02020603050405020304" pitchFamily="18" charset="0"/>
+                <a:cs typeface="Times New Roman" panose="02020603050405020304" pitchFamily="18" charset="0"/>
+                <a:hlinkClick r:id="rId2"/>
+              </a:rPr>
+              <a:t> </a:t>
+            </a:r>
+            <a:r>
+              <a:rPr lang="zh-TW" altLang="en-US" sz="2000" dirty="0">
+                <a:latin typeface="Times New Roman" panose="02020603050405020304" pitchFamily="18" charset="0"/>
+                <a:cs typeface="Times New Roman" panose="02020603050405020304" pitchFamily="18" charset="0"/>
+                <a:hlinkClick r:id="rId2"/>
+              </a:rPr>
+              <a:t>手冊</a:t>
+            </a:r>
+            <a:endParaRPr lang="en-US" altLang="zh-TW" sz="2000" dirty="0">
+              <a:latin typeface="Times New Roman" panose="02020603050405020304" pitchFamily="18" charset="0"/>
+              <a:cs typeface="Times New Roman" panose="02020603050405020304" pitchFamily="18" charset="0"/>
+            </a:endParaRPr>
+          </a:p>
+          <a:p>
+            <a:r>
+              <a:rPr lang="en-US" altLang="zh-TW" sz="2000" dirty="0" err="1">
+                <a:latin typeface="Times New Roman" panose="02020603050405020304" pitchFamily="18" charset="0"/>
+                <a:cs typeface="Times New Roman" panose="02020603050405020304" pitchFamily="18" charset="0"/>
+                <a:hlinkClick r:id="rId3"/>
+              </a:rPr>
+              <a:t>zynq</a:t>
+            </a:r>
+            <a:r>
+              <a:rPr lang="en-US" altLang="zh-TW" sz="2000" dirty="0">
+                <a:latin typeface="Times New Roman" panose="02020603050405020304" pitchFamily="18" charset="0"/>
+                <a:cs typeface="Times New Roman" panose="02020603050405020304" pitchFamily="18" charset="0"/>
+                <a:hlinkClick r:id="rId3"/>
+              </a:rPr>
+              <a:t> 7020 interrupt example</a:t>
+            </a:r>
+            <a:r>
+              <a:rPr lang="zh-TW" altLang="en-US" sz="2000" dirty="0">
+                <a:latin typeface="Times New Roman" panose="02020603050405020304" pitchFamily="18" charset="0"/>
+                <a:cs typeface="Times New Roman" panose="02020603050405020304" pitchFamily="18" charset="0"/>
+                <a:hlinkClick r:id="rId3"/>
+              </a:rPr>
+              <a:t> 影片</a:t>
+            </a:r>
+            <a:endParaRPr lang="en-US" altLang="zh-TW" sz="2000" dirty="0">
+              <a:latin typeface="Times New Roman" panose="02020603050405020304" pitchFamily="18" charset="0"/>
+              <a:cs typeface="Times New Roman" panose="02020603050405020304" pitchFamily="18" charset="0"/>
+            </a:endParaRPr>
+          </a:p>
+          <a:p>
+            <a:r>
+              <a:rPr lang="en-US" altLang="zh-TW" sz="2000" dirty="0">
+                <a:latin typeface="Times New Roman" panose="02020603050405020304" pitchFamily="18" charset="0"/>
+                <a:cs typeface="Times New Roman" panose="02020603050405020304" pitchFamily="18" charset="0"/>
+                <a:hlinkClick r:id="rId4"/>
+              </a:rPr>
+              <a:t>GitHub : Micro-Studios/Xilinx-GPIO-Interrupt</a:t>
+            </a:r>
+            <a:endParaRPr lang="en-US" altLang="zh-TW" sz="2000" dirty="0">
+              <a:latin typeface="Times New Roman" panose="02020603050405020304" pitchFamily="18" charset="0"/>
+              <a:cs typeface="Times New Roman" panose="02020603050405020304" pitchFamily="18" charset="0"/>
+            </a:endParaRPr>
+          </a:p>
+        </p:txBody>
+      </p:sp>
+    </p:spTree>
+    <p:extLst>
+      <p:ext uri="{BB962C8B-B14F-4D97-AF65-F5344CB8AC3E}">
+        <p14:creationId xmlns:p14="http://schemas.microsoft.com/office/powerpoint/2010/main" val="223125955"/>
+      </p:ext>
+    </p:extLst>
+  </p:cSld>
+  <p:clrMapOvr>
+    <a:masterClrMapping/>
+  </p:clrMapOvr>
+  <mc:AlternateContent xmlns:mc="http://schemas.openxmlformats.org/markup-compatibility/2006">
+    <mc:Choice xmlns:p14="http://schemas.microsoft.com/office/powerpoint/2010/main" Requires="p14">
+      <p:transition spd="slow" p14:dur="2000">
+        <p:cut/>
+      </p:transition>
+    </mc:Choice>
+    <mc:Fallback>
+      <p:transition spd="slow">
+        <p:cut/>
+      </p:transition>
+    </mc:Fallback>
+  </mc:AlternateContent>
+</p:sld>
+</file>
+
 <file path=ppt/slides/slide2.xml><?xml version="1.0" encoding="utf-8"?>
 <p:sld xmlns:a="http://schemas.openxmlformats.org/drawingml/2006/main" xmlns:r="http://schemas.openxmlformats.org/officeDocument/2006/relationships" xmlns:p="http://schemas.openxmlformats.org/presentationml/2006/main">
   <p:cSld>
